--- a/L6-measurement-estimating-emissions.pptx
+++ b/L6-measurement-estimating-emissions.pptx
@@ -132,7 +132,7 @@
 <file path=ppt/revisionInfo.xml><?xml version="1.0" encoding="utf-8"?>
 <p1510:revInfo xmlns:a="http://schemas.openxmlformats.org/drawingml/2006/main" xmlns:r="http://schemas.openxmlformats.org/officeDocument/2006/relationships" xmlns:p1510="http://schemas.microsoft.com/office/powerpoint/2015/10/main">
   <p1510:revLst>
-    <p1510:client id="{8CCB7CAC-C906-4243-9375-9A287E0ADEDE}" v="42" dt="2025-10-07T13:55:31.596"/>
+    <p1510:client id="{510C2B4D-418D-874B-855B-D580C8175411}" v="1" dt="2026-02-03T08:32:09.146"/>
   </p1510:revLst>
 </p1510:revInfo>
 </file>
@@ -142,166 +142,78 @@
   <pc:docChgLst>
     <pc:chgData name="Andrew Turner" userId="9b60647a-c825-4266-aafa-670849c64782" providerId="ADAL" clId="{292526B5-234E-5EAA-AFB8-0412B8CA4453}"/>
     <pc:docChg chg="addSld modSld modMainMaster">
-      <pc:chgData name="Andrew Turner" userId="9b60647a-c825-4266-aafa-670849c64782" providerId="ADAL" clId="{292526B5-234E-5EAA-AFB8-0412B8CA4453}" dt="2025-10-07T13:55:33.150" v="30" actId="20577"/>
+      <pc:chgData name="Andrew Turner" userId="9b60647a-c825-4266-aafa-670849c64782" providerId="ADAL" clId="{292526B5-234E-5EAA-AFB8-0412B8CA4453}" dt="2026-02-04T08:32:09.034" v="144" actId="20577"/>
       <pc:docMkLst>
         <pc:docMk/>
       </pc:docMkLst>
-      <pc:sldChg chg="modSp mod setBg">
-        <pc:chgData name="Andrew Turner" userId="9b60647a-c825-4266-aafa-670849c64782" providerId="ADAL" clId="{292526B5-234E-5EAA-AFB8-0412B8CA4453}" dt="2025-10-07T13:54:57.680" v="3" actId="20577"/>
+      <pc:sldChg chg="modSp mod">
+        <pc:chgData name="Andrew Turner" userId="9b60647a-c825-4266-aafa-670849c64782" providerId="ADAL" clId="{292526B5-234E-5EAA-AFB8-0412B8CA4453}" dt="2026-02-04T08:31:46.963" v="141" actId="20577"/>
         <pc:sldMkLst>
           <pc:docMk/>
-          <pc:sldMk cId="2361555479" sldId="256"/>
+          <pc:sldMk cId="3185171378" sldId="264"/>
         </pc:sldMkLst>
         <pc:spChg chg="mod">
-          <ac:chgData name="Andrew Turner" userId="9b60647a-c825-4266-aafa-670849c64782" providerId="ADAL" clId="{292526B5-234E-5EAA-AFB8-0412B8CA4453}" dt="2025-10-07T13:54:57.680" v="3" actId="20577"/>
+          <ac:chgData name="Andrew Turner" userId="9b60647a-c825-4266-aafa-670849c64782" providerId="ADAL" clId="{292526B5-234E-5EAA-AFB8-0412B8CA4453}" dt="2026-02-04T08:31:46.963" v="141" actId="20577"/>
           <ac:spMkLst>
             <pc:docMk/>
-            <pc:sldMk cId="2361555479" sldId="256"/>
-            <ac:spMk id="2" creationId="{ABCFECF7-EDA3-F441-4EC8-E04C6EF91A94}"/>
+            <pc:sldMk cId="3185171378" sldId="264"/>
+            <ac:spMk id="7" creationId="{10FED7BA-1C0C-EEB1-5BF7-DB2ACBD78B32}"/>
           </ac:spMkLst>
         </pc:spChg>
       </pc:sldChg>
-      <pc:sldChg chg="modSp new mod">
-        <pc:chgData name="Andrew Turner" userId="9b60647a-c825-4266-aafa-670849c64782" providerId="ADAL" clId="{292526B5-234E-5EAA-AFB8-0412B8CA4453}" dt="2025-10-07T13:55:17.389" v="16" actId="20577"/>
+      <pc:sldChg chg="modSp mod">
+        <pc:chgData name="Andrew Turner" userId="9b60647a-c825-4266-aafa-670849c64782" providerId="ADAL" clId="{292526B5-234E-5EAA-AFB8-0412B8CA4453}" dt="2026-02-04T08:32:09.034" v="144" actId="20577"/>
         <pc:sldMkLst>
           <pc:docMk/>
-          <pc:sldMk cId="3367204518" sldId="273"/>
+          <pc:sldMk cId="902401598" sldId="268"/>
         </pc:sldMkLst>
         <pc:spChg chg="mod">
-          <ac:chgData name="Andrew Turner" userId="9b60647a-c825-4266-aafa-670849c64782" providerId="ADAL" clId="{292526B5-234E-5EAA-AFB8-0412B8CA4453}" dt="2025-10-07T13:55:06.836" v="13" actId="20577"/>
+          <ac:chgData name="Andrew Turner" userId="9b60647a-c825-4266-aafa-670849c64782" providerId="ADAL" clId="{292526B5-234E-5EAA-AFB8-0412B8CA4453}" dt="2026-02-04T08:32:09.034" v="144" actId="20577"/>
           <ac:spMkLst>
             <pc:docMk/>
-            <pc:sldMk cId="3367204518" sldId="273"/>
-            <ac:spMk id="2" creationId="{448EFB5B-D5BA-36A2-45D3-E357CB26F1C1}"/>
+            <pc:sldMk cId="902401598" sldId="268"/>
+            <ac:spMk id="6" creationId="{D5F98E8B-0250-154E-2730-03B5B7A8C888}"/>
           </ac:spMkLst>
         </pc:spChg>
+        <pc:graphicFrameChg chg="modGraphic">
+          <ac:chgData name="Andrew Turner" userId="9b60647a-c825-4266-aafa-670849c64782" providerId="ADAL" clId="{292526B5-234E-5EAA-AFB8-0412B8CA4453}" dt="2026-02-03T08:30:40.605" v="74" actId="20577"/>
+          <ac:graphicFrameMkLst>
+            <pc:docMk/>
+            <pc:sldMk cId="902401598" sldId="268"/>
+            <ac:graphicFrameMk id="4" creationId="{CBE08B62-29EE-4B93-159D-D6A8629EE225}"/>
+          </ac:graphicFrameMkLst>
+        </pc:graphicFrameChg>
+      </pc:sldChg>
+      <pc:sldChg chg="modSp mod">
+        <pc:chgData name="Andrew Turner" userId="9b60647a-c825-4266-aafa-670849c64782" providerId="ADAL" clId="{292526B5-234E-5EAA-AFB8-0412B8CA4453}" dt="2026-02-03T08:32:09.146" v="112"/>
+        <pc:sldMkLst>
+          <pc:docMk/>
+          <pc:sldMk cId="4106480083" sldId="270"/>
+        </pc:sldMkLst>
         <pc:spChg chg="mod">
-          <ac:chgData name="Andrew Turner" userId="9b60647a-c825-4266-aafa-670849c64782" providerId="ADAL" clId="{292526B5-234E-5EAA-AFB8-0412B8CA4453}" dt="2025-10-07T13:55:17.389" v="16" actId="20577"/>
+          <ac:chgData name="Andrew Turner" userId="9b60647a-c825-4266-aafa-670849c64782" providerId="ADAL" clId="{292526B5-234E-5EAA-AFB8-0412B8CA4453}" dt="2026-02-03T08:32:09.146" v="112"/>
           <ac:spMkLst>
             <pc:docMk/>
-            <pc:sldMk cId="3367204518" sldId="273"/>
-            <ac:spMk id="3" creationId="{5EDD7EB4-5371-51F5-4937-1CB72C0012C4}"/>
+            <pc:sldMk cId="4106480083" sldId="270"/>
+            <ac:spMk id="3" creationId="{43422955-30DA-F4B3-1F1C-396033D9FFC8}"/>
           </ac:spMkLst>
         </pc:spChg>
       </pc:sldChg>
-      <pc:sldChg chg="modSp new mod">
-        <pc:chgData name="Andrew Turner" userId="9b60647a-c825-4266-aafa-670849c64782" providerId="ADAL" clId="{292526B5-234E-5EAA-AFB8-0412B8CA4453}" dt="2025-10-07T13:55:33.150" v="30" actId="20577"/>
+      <pc:sldChg chg="modSp mod">
+        <pc:chgData name="Andrew Turner" userId="9b60647a-c825-4266-aafa-670849c64782" providerId="ADAL" clId="{292526B5-234E-5EAA-AFB8-0412B8CA4453}" dt="2026-02-03T10:37:11.437" v="140" actId="20577"/>
         <pc:sldMkLst>
           <pc:docMk/>
-          <pc:sldMk cId="1355353233" sldId="274"/>
+          <pc:sldMk cId="743094448" sldId="272"/>
         </pc:sldMkLst>
         <pc:spChg chg="mod">
-          <ac:chgData name="Andrew Turner" userId="9b60647a-c825-4266-aafa-670849c64782" providerId="ADAL" clId="{292526B5-234E-5EAA-AFB8-0412B8CA4453}" dt="2025-10-07T13:55:25.134" v="27" actId="20577"/>
+          <ac:chgData name="Andrew Turner" userId="9b60647a-c825-4266-aafa-670849c64782" providerId="ADAL" clId="{292526B5-234E-5EAA-AFB8-0412B8CA4453}" dt="2026-02-03T10:37:11.437" v="140" actId="20577"/>
           <ac:spMkLst>
             <pc:docMk/>
-            <pc:sldMk cId="1355353233" sldId="274"/>
-            <ac:spMk id="2" creationId="{693D5BED-1BA6-D209-DA28-11006069036E}"/>
-          </ac:spMkLst>
-        </pc:spChg>
-        <pc:spChg chg="mod">
-          <ac:chgData name="Andrew Turner" userId="9b60647a-c825-4266-aafa-670849c64782" providerId="ADAL" clId="{292526B5-234E-5EAA-AFB8-0412B8CA4453}" dt="2025-10-07T13:55:33.150" v="30" actId="20577"/>
-          <ac:spMkLst>
-            <pc:docMk/>
-            <pc:sldMk cId="1355353233" sldId="274"/>
-            <ac:spMk id="3" creationId="{0CECC621-8E65-CDC3-46BF-1624F5A47B64}"/>
+            <pc:sldMk cId="743094448" sldId="272"/>
+            <ac:spMk id="3" creationId="{3FCF60D3-05D8-1F79-98AE-AF9AE16FCF81}"/>
           </ac:spMkLst>
         </pc:spChg>
       </pc:sldChg>
-      <pc:sldMasterChg chg="setBg modSldLayout">
-        <pc:chgData name="Andrew Turner" userId="9b60647a-c825-4266-aafa-670849c64782" providerId="ADAL" clId="{292526B5-234E-5EAA-AFB8-0412B8CA4453}" dt="2025-10-07T13:54:28.472" v="1"/>
-        <pc:sldMasterMkLst>
-          <pc:docMk/>
-          <pc:sldMasterMk cId="1743271095" sldId="2147483648"/>
-        </pc:sldMasterMkLst>
-        <pc:sldLayoutChg chg="setBg">
-          <pc:chgData name="Andrew Turner" userId="9b60647a-c825-4266-aafa-670849c64782" providerId="ADAL" clId="{292526B5-234E-5EAA-AFB8-0412B8CA4453}" dt="2025-10-07T13:54:28.472" v="1"/>
-          <pc:sldLayoutMkLst>
-            <pc:docMk/>
-            <pc:sldMasterMk cId="1743271095" sldId="2147483648"/>
-            <pc:sldLayoutMk cId="3201476995" sldId="2147483649"/>
-          </pc:sldLayoutMkLst>
-        </pc:sldLayoutChg>
-        <pc:sldLayoutChg chg="setBg">
-          <pc:chgData name="Andrew Turner" userId="9b60647a-c825-4266-aafa-670849c64782" providerId="ADAL" clId="{292526B5-234E-5EAA-AFB8-0412B8CA4453}" dt="2025-10-07T13:54:28.472" v="1"/>
-          <pc:sldLayoutMkLst>
-            <pc:docMk/>
-            <pc:sldMasterMk cId="1743271095" sldId="2147483648"/>
-            <pc:sldLayoutMk cId="1746653378" sldId="2147483650"/>
-          </pc:sldLayoutMkLst>
-        </pc:sldLayoutChg>
-        <pc:sldLayoutChg chg="setBg">
-          <pc:chgData name="Andrew Turner" userId="9b60647a-c825-4266-aafa-670849c64782" providerId="ADAL" clId="{292526B5-234E-5EAA-AFB8-0412B8CA4453}" dt="2025-10-07T13:54:28.472" v="1"/>
-          <pc:sldLayoutMkLst>
-            <pc:docMk/>
-            <pc:sldMasterMk cId="1743271095" sldId="2147483648"/>
-            <pc:sldLayoutMk cId="3763675203" sldId="2147483651"/>
-          </pc:sldLayoutMkLst>
-        </pc:sldLayoutChg>
-        <pc:sldLayoutChg chg="setBg">
-          <pc:chgData name="Andrew Turner" userId="9b60647a-c825-4266-aafa-670849c64782" providerId="ADAL" clId="{292526B5-234E-5EAA-AFB8-0412B8CA4453}" dt="2025-10-07T13:54:28.472" v="1"/>
-          <pc:sldLayoutMkLst>
-            <pc:docMk/>
-            <pc:sldMasterMk cId="1743271095" sldId="2147483648"/>
-            <pc:sldLayoutMk cId="3034035587" sldId="2147483652"/>
-          </pc:sldLayoutMkLst>
-        </pc:sldLayoutChg>
-        <pc:sldLayoutChg chg="setBg">
-          <pc:chgData name="Andrew Turner" userId="9b60647a-c825-4266-aafa-670849c64782" providerId="ADAL" clId="{292526B5-234E-5EAA-AFB8-0412B8CA4453}" dt="2025-10-07T13:54:28.472" v="1"/>
-          <pc:sldLayoutMkLst>
-            <pc:docMk/>
-            <pc:sldMasterMk cId="1743271095" sldId="2147483648"/>
-            <pc:sldLayoutMk cId="1438119718" sldId="2147483653"/>
-          </pc:sldLayoutMkLst>
-        </pc:sldLayoutChg>
-        <pc:sldLayoutChg chg="setBg">
-          <pc:chgData name="Andrew Turner" userId="9b60647a-c825-4266-aafa-670849c64782" providerId="ADAL" clId="{292526B5-234E-5EAA-AFB8-0412B8CA4453}" dt="2025-10-07T13:54:28.472" v="1"/>
-          <pc:sldLayoutMkLst>
-            <pc:docMk/>
-            <pc:sldMasterMk cId="1743271095" sldId="2147483648"/>
-            <pc:sldLayoutMk cId="1763297388" sldId="2147483654"/>
-          </pc:sldLayoutMkLst>
-        </pc:sldLayoutChg>
-        <pc:sldLayoutChg chg="setBg">
-          <pc:chgData name="Andrew Turner" userId="9b60647a-c825-4266-aafa-670849c64782" providerId="ADAL" clId="{292526B5-234E-5EAA-AFB8-0412B8CA4453}" dt="2025-10-07T13:54:28.472" v="1"/>
-          <pc:sldLayoutMkLst>
-            <pc:docMk/>
-            <pc:sldMasterMk cId="1743271095" sldId="2147483648"/>
-            <pc:sldLayoutMk cId="146228969" sldId="2147483655"/>
-          </pc:sldLayoutMkLst>
-        </pc:sldLayoutChg>
-        <pc:sldLayoutChg chg="setBg">
-          <pc:chgData name="Andrew Turner" userId="9b60647a-c825-4266-aafa-670849c64782" providerId="ADAL" clId="{292526B5-234E-5EAA-AFB8-0412B8CA4453}" dt="2025-10-07T13:54:28.472" v="1"/>
-          <pc:sldLayoutMkLst>
-            <pc:docMk/>
-            <pc:sldMasterMk cId="1743271095" sldId="2147483648"/>
-            <pc:sldLayoutMk cId="4132524765" sldId="2147483656"/>
-          </pc:sldLayoutMkLst>
-        </pc:sldLayoutChg>
-        <pc:sldLayoutChg chg="setBg">
-          <pc:chgData name="Andrew Turner" userId="9b60647a-c825-4266-aafa-670849c64782" providerId="ADAL" clId="{292526B5-234E-5EAA-AFB8-0412B8CA4453}" dt="2025-10-07T13:54:28.472" v="1"/>
-          <pc:sldLayoutMkLst>
-            <pc:docMk/>
-            <pc:sldMasterMk cId="1743271095" sldId="2147483648"/>
-            <pc:sldLayoutMk cId="2271224566" sldId="2147483657"/>
-          </pc:sldLayoutMkLst>
-        </pc:sldLayoutChg>
-        <pc:sldLayoutChg chg="setBg">
-          <pc:chgData name="Andrew Turner" userId="9b60647a-c825-4266-aafa-670849c64782" providerId="ADAL" clId="{292526B5-234E-5EAA-AFB8-0412B8CA4453}" dt="2025-10-07T13:54:28.472" v="1"/>
-          <pc:sldLayoutMkLst>
-            <pc:docMk/>
-            <pc:sldMasterMk cId="1743271095" sldId="2147483648"/>
-            <pc:sldLayoutMk cId="2974772317" sldId="2147483658"/>
-          </pc:sldLayoutMkLst>
-        </pc:sldLayoutChg>
-        <pc:sldLayoutChg chg="setBg">
-          <pc:chgData name="Andrew Turner" userId="9b60647a-c825-4266-aafa-670849c64782" providerId="ADAL" clId="{292526B5-234E-5EAA-AFB8-0412B8CA4453}" dt="2025-10-07T13:54:28.472" v="1"/>
-          <pc:sldLayoutMkLst>
-            <pc:docMk/>
-            <pc:sldMasterMk cId="1743271095" sldId="2147483648"/>
-            <pc:sldLayoutMk cId="2002512486" sldId="2147483659"/>
-          </pc:sldLayoutMkLst>
-        </pc:sldLayoutChg>
-      </pc:sldMasterChg>
     </pc:docChg>
   </pc:docChgLst>
 </pc:chgInfo>
@@ -454,7 +366,7 @@
           <a:p>
             <a:fld id="{A5D2E4A2-3C3F-A643-83E3-9EB9504CC3D1}" type="datetimeFigureOut">
               <a:rPr lang="en-GB" smtClean="0"/>
-              <a:t>07/10/2025</a:t>
+              <a:t>04/02/2026</a:t>
             </a:fld>
             <a:endParaRPr lang="en-GB"/>
           </a:p>
@@ -652,7 +564,7 @@
           <a:p>
             <a:fld id="{A5D2E4A2-3C3F-A643-83E3-9EB9504CC3D1}" type="datetimeFigureOut">
               <a:rPr lang="en-GB" smtClean="0"/>
-              <a:t>07/10/2025</a:t>
+              <a:t>04/02/2026</a:t>
             </a:fld>
             <a:endParaRPr lang="en-GB"/>
           </a:p>
@@ -860,7 +772,7 @@
           <a:p>
             <a:fld id="{A5D2E4A2-3C3F-A643-83E3-9EB9504CC3D1}" type="datetimeFigureOut">
               <a:rPr lang="en-GB" smtClean="0"/>
-              <a:t>07/10/2025</a:t>
+              <a:t>04/02/2026</a:t>
             </a:fld>
             <a:endParaRPr lang="en-GB"/>
           </a:p>
@@ -1058,7 +970,7 @@
           <a:p>
             <a:fld id="{A5D2E4A2-3C3F-A643-83E3-9EB9504CC3D1}" type="datetimeFigureOut">
               <a:rPr lang="en-GB" smtClean="0"/>
-              <a:t>07/10/2025</a:t>
+              <a:t>04/02/2026</a:t>
             </a:fld>
             <a:endParaRPr lang="en-GB"/>
           </a:p>
@@ -1333,7 +1245,7 @@
           <a:p>
             <a:fld id="{A5D2E4A2-3C3F-A643-83E3-9EB9504CC3D1}" type="datetimeFigureOut">
               <a:rPr lang="en-GB" smtClean="0"/>
-              <a:t>07/10/2025</a:t>
+              <a:t>04/02/2026</a:t>
             </a:fld>
             <a:endParaRPr lang="en-GB"/>
           </a:p>
@@ -1598,7 +1510,7 @@
           <a:p>
             <a:fld id="{A5D2E4A2-3C3F-A643-83E3-9EB9504CC3D1}" type="datetimeFigureOut">
               <a:rPr lang="en-GB" smtClean="0"/>
-              <a:t>07/10/2025</a:t>
+              <a:t>04/02/2026</a:t>
             </a:fld>
             <a:endParaRPr lang="en-GB"/>
           </a:p>
@@ -2010,7 +1922,7 @@
           <a:p>
             <a:fld id="{A5D2E4A2-3C3F-A643-83E3-9EB9504CC3D1}" type="datetimeFigureOut">
               <a:rPr lang="en-GB" smtClean="0"/>
-              <a:t>07/10/2025</a:t>
+              <a:t>04/02/2026</a:t>
             </a:fld>
             <a:endParaRPr lang="en-GB"/>
           </a:p>
@@ -2151,7 +2063,7 @@
           <a:p>
             <a:fld id="{A5D2E4A2-3C3F-A643-83E3-9EB9504CC3D1}" type="datetimeFigureOut">
               <a:rPr lang="en-GB" smtClean="0"/>
-              <a:t>07/10/2025</a:t>
+              <a:t>04/02/2026</a:t>
             </a:fld>
             <a:endParaRPr lang="en-GB"/>
           </a:p>
@@ -2264,7 +2176,7 @@
           <a:p>
             <a:fld id="{A5D2E4A2-3C3F-A643-83E3-9EB9504CC3D1}" type="datetimeFigureOut">
               <a:rPr lang="en-GB" smtClean="0"/>
-              <a:t>07/10/2025</a:t>
+              <a:t>04/02/2026</a:t>
             </a:fld>
             <a:endParaRPr lang="en-GB"/>
           </a:p>
@@ -2575,7 +2487,7 @@
           <a:p>
             <a:fld id="{A5D2E4A2-3C3F-A643-83E3-9EB9504CC3D1}" type="datetimeFigureOut">
               <a:rPr lang="en-GB" smtClean="0"/>
-              <a:t>07/10/2025</a:t>
+              <a:t>04/02/2026</a:t>
             </a:fld>
             <a:endParaRPr lang="en-GB"/>
           </a:p>
@@ -2863,7 +2775,7 @@
           <a:p>
             <a:fld id="{A5D2E4A2-3C3F-A643-83E3-9EB9504CC3D1}" type="datetimeFigureOut">
               <a:rPr lang="en-GB" smtClean="0"/>
-              <a:t>07/10/2025</a:t>
+              <a:t>04/02/2026</a:t>
             </a:fld>
             <a:endParaRPr lang="en-GB"/>
           </a:p>
@@ -3107,7 +3019,7 @@
           <a:p>
             <a:fld id="{A5D2E4A2-3C3F-A643-83E3-9EB9504CC3D1}" type="datetimeFigureOut">
               <a:rPr lang="en-GB" smtClean="0"/>
-              <a:t>07/10/2025</a:t>
+              <a:t>04/02/2026</a:t>
             </a:fld>
             <a:endParaRPr lang="en-GB"/>
           </a:p>
@@ -4839,15 +4751,7 @@
             </a:pPr>
             <a:r>
               <a:rPr lang="en-GB" dirty="0"/>
-              <a:t>We know that compute nodes are </a:t>
-            </a:r>
-            <a:r>
-              <a:rPr lang="en-GB" dirty="0" err="1"/>
-              <a:t>aoround</a:t>
-            </a:r>
-            <a:r>
-              <a:rPr lang="en-GB" dirty="0"/>
-              <a:t> 85% of total power draw</a:t>
+              <a:t>We know that compute nodes are around 85% of total power draw</a:t>
             </a:r>
           </a:p>
           <a:p>
@@ -5834,7 +5738,7 @@
           <p:nvPr>
             <p:extLst>
               <p:ext uri="{D42A27DB-BD31-4B8C-83A1-F6EECF244321}">
-                <p14:modId xmlns:p14="http://schemas.microsoft.com/office/powerpoint/2010/main" val="1144218698"/>
+                <p14:modId xmlns:p14="http://schemas.microsoft.com/office/powerpoint/2010/main" val="362758411"/>
               </p:ext>
             </p:extLst>
           </p:nvPr>
@@ -6114,13 +6018,13 @@
                         <a:buNone/>
                       </a:pPr>
                       <a:r>
-                        <a:rPr lang="en-GB" sz="1400">
+                        <a:rPr lang="en-GB" sz="1400" dirty="0">
                           <a:solidFill>
                             <a:srgbClr val="000000"/>
                           </a:solidFill>
                           <a:effectLst/>
                         </a:rPr>
-                        <a:t>1,100</a:t>
+                        <a:t>955</a:t>
                       </a:r>
                     </a:p>
                   </a:txBody>
@@ -6135,13 +6039,13 @@
                         <a:buNone/>
                       </a:pPr>
                       <a:r>
-                        <a:rPr lang="en-GB" sz="1400">
+                        <a:rPr lang="en-GB" sz="1400" dirty="0">
                           <a:solidFill>
                             <a:srgbClr val="000000"/>
                           </a:solidFill>
                           <a:effectLst/>
                         </a:rPr>
-                        <a:t>6,400,000</a:t>
+                        <a:t>5,600,000</a:t>
                       </a:r>
                     </a:p>
                   </a:txBody>
@@ -6156,13 +6060,13 @@
                         <a:buNone/>
                       </a:pPr>
                       <a:r>
-                        <a:rPr lang="en-GB" sz="1400">
+                        <a:rPr lang="en-GB" sz="1400" dirty="0">
                           <a:solidFill>
                             <a:srgbClr val="000000"/>
                           </a:solidFill>
                           <a:effectLst/>
                         </a:rPr>
-                        <a:t>84%</a:t>
+                        <a:t>85%</a:t>
                       </a:r>
                     </a:p>
                   </a:txBody>
@@ -6268,13 +6172,13 @@
                         <a:buNone/>
                       </a:pPr>
                       <a:r>
-                        <a:rPr lang="en-GB" sz="1400">
+                        <a:rPr lang="en-GB" sz="1400" dirty="0">
                           <a:solidFill>
                             <a:srgbClr val="000000"/>
                           </a:solidFill>
                           <a:effectLst/>
                         </a:rPr>
-                        <a:t>150,000</a:t>
+                        <a:t>216,000</a:t>
                       </a:r>
                     </a:p>
                   </a:txBody>
@@ -6289,13 +6193,13 @@
                         <a:buNone/>
                       </a:pPr>
                       <a:r>
-                        <a:rPr lang="en-GB" sz="1400">
+                        <a:rPr lang="en-GB" sz="1400" dirty="0">
                           <a:solidFill>
                             <a:srgbClr val="000000"/>
                           </a:solidFill>
                           <a:effectLst/>
                         </a:rPr>
-                        <a:t>2%</a:t>
+                        <a:t>3%</a:t>
                       </a:r>
                     </a:p>
                   </a:txBody>
@@ -6401,7 +6305,7 @@
                         <a:buNone/>
                       </a:pPr>
                       <a:r>
-                        <a:rPr lang="en-GB" sz="1400">
+                        <a:rPr lang="en-GB" sz="1400" dirty="0">
                           <a:solidFill>
                             <a:srgbClr val="000000"/>
                           </a:solidFill>
@@ -6534,7 +6438,7 @@
                         <a:buNone/>
                       </a:pPr>
                       <a:r>
-                        <a:rPr lang="en-GB" sz="1400">
+                        <a:rPr lang="en-GB" sz="1400" dirty="0">
                           <a:solidFill>
                             <a:srgbClr val="000000"/>
                           </a:solidFill>
@@ -6555,13 +6459,13 @@
                         <a:buNone/>
                       </a:pPr>
                       <a:r>
-                        <a:rPr lang="en-GB" sz="1400">
+                        <a:rPr lang="en-GB" sz="1400" dirty="0">
                           <a:solidFill>
                             <a:srgbClr val="000000"/>
                           </a:solidFill>
                           <a:effectLst/>
                         </a:rPr>
-                        <a:t>4%</a:t>
+                        <a:t>5%</a:t>
                       </a:r>
                     </a:p>
                   </a:txBody>
@@ -6794,13 +6698,13 @@
                         <a:buNone/>
                       </a:pPr>
                       <a:r>
-                        <a:rPr lang="en-GB" sz="1400">
+                        <a:rPr lang="en-GB" sz="1400" dirty="0">
                           <a:solidFill>
                             <a:srgbClr val="000000"/>
                           </a:solidFill>
                           <a:effectLst/>
                         </a:rPr>
-                        <a:t>7,320,000</a:t>
+                        <a:t>6,586,000</a:t>
                       </a:r>
                     </a:p>
                   </a:txBody>
@@ -6815,7 +6719,7 @@
                         <a:buNone/>
                       </a:pPr>
                       <a:r>
-                        <a:rPr lang="en-GB" sz="1400">
+                        <a:rPr lang="en-GB" sz="1400" dirty="0">
                           <a:solidFill>
                             <a:srgbClr val="000000"/>
                           </a:solidFill>
@@ -7001,7 +6905,11 @@
             </a:pPr>
             <a:r>
               <a:rPr lang="en-GB" sz="1600" dirty="0"/>
-              <a:t>Large uncertainties in embodied emissions – compute nodes could be 15% lower</a:t>
+              <a:t>Large uncertainties in embodied </a:t>
+            </a:r>
+            <a:r>
+              <a:rPr lang="en-GB" sz="1600"/>
+              <a:t>emissions </a:t>
             </a:r>
           </a:p>
           <a:p>
@@ -7010,8 +6918,12 @@
               <a:buChar char="•"/>
             </a:pPr>
             <a:r>
+              <a:rPr lang="en-GB" sz="1600"/>
+              <a:t>Embodied </a:t>
+            </a:r>
+            <a:r>
               <a:rPr lang="en-GB" sz="1600" dirty="0"/>
-              <a:t>Embodied emissions from data centre itself not included – thought to be less significant due to building/plant long lifespans</a:t>
+              <a:t>emissions from data centre itself not included – thought to be less significant due to building/plant long lifespans</a:t>
             </a:r>
           </a:p>
           <a:p>
@@ -7202,7 +7114,7 @@
             </a:pPr>
             <a:r>
               <a:rPr lang="en-GB" dirty="0"/>
-              <a:t>	7 years </a:t>
+              <a:t>	6 years </a:t>
             </a:r>
             <a:r>
               <a:rPr lang="en-GB" i="1" dirty="0">
@@ -7244,7 +7156,7 @@
             </a:r>
             <a:r>
               <a:rPr lang="en-GB" dirty="0"/>
-              <a:t> 5860 nodes = 359,335,200 </a:t>
+              <a:t> 5860 nodes = 308,001,600 </a:t>
             </a:r>
             <a:r>
               <a:rPr lang="en-GB" dirty="0" err="1"/>
@@ -7289,7 +7201,7 @@
             </a:pPr>
             <a:r>
               <a:rPr lang="en-GB" dirty="0"/>
-              <a:t>	7320000 kgCO</a:t>
+              <a:t>	6,586,000 kgCO</a:t>
             </a:r>
             <a:r>
               <a:rPr lang="en-GB" baseline="-25000" dirty="0"/>
@@ -7297,7 +7209,7 @@
             </a:r>
             <a:r>
               <a:rPr lang="en-GB" dirty="0"/>
-              <a:t>e / 359,335,200 </a:t>
+              <a:t>e / 308,001,600 </a:t>
             </a:r>
             <a:r>
               <a:rPr lang="en-GB" dirty="0" err="1"/>
@@ -7309,7 +7221,7 @@
             </a:r>
             <a:r>
               <a:rPr lang="en-GB" b="1" dirty="0"/>
-              <a:t>0.020 kgCO</a:t>
+              <a:t>0.021 kgCO</a:t>
             </a:r>
             <a:r>
               <a:rPr lang="en-GB" b="1" baseline="-25000" dirty="0"/>
@@ -8167,7 +8079,7 @@
             </a:r>
             <a:r>
               <a:rPr lang="en-GB" sz="2000" b="1" dirty="0"/>
-              <a:t>141,700 kgCO</a:t>
+              <a:t>141,680 kgCO</a:t>
             </a:r>
             <a:r>
               <a:rPr lang="en-GB" sz="2000" b="1" baseline="-25000" dirty="0"/>
@@ -8279,7 +8191,7 @@
             </a:r>
             <a:r>
               <a:rPr lang="en-GB" sz="2000" b="1" dirty="0"/>
-              <a:t>0.013 kgCO</a:t>
+              <a:t>0.01325 kgCO</a:t>
             </a:r>
             <a:r>
               <a:rPr lang="en-GB" sz="2000" b="1" baseline="-25000" dirty="0"/>
@@ -8355,7 +8267,7 @@
             </a:r>
             <a:r>
               <a:rPr lang="en-GB" sz="2000" b="1" dirty="0"/>
-              <a:t>14.3 kgCO</a:t>
+              <a:t>14.575 kgCO</a:t>
             </a:r>
             <a:r>
               <a:rPr lang="en-GB" sz="2000" b="1" baseline="-25000" dirty="0"/>
@@ -8387,11 +8299,19 @@
             </a:r>
             <a:r>
               <a:rPr lang="en-GB" sz="2000" dirty="0"/>
-              <a:t> = 141,700 + 14.3 = </a:t>
+              <a:t> </a:t>
+            </a:r>
+            <a:r>
+              <a:rPr lang="en-GB" sz="2000"/>
+              <a:t>= 141,680 + 14.575 = </a:t>
+            </a:r>
+            <a:r>
+              <a:rPr lang="en-GB" sz="2000" b="1"/>
+              <a:t>141,696 </a:t>
             </a:r>
             <a:r>
               <a:rPr lang="en-GB" sz="2000" b="1" dirty="0"/>
-              <a:t>141,714 kgCO</a:t>
+              <a:t>kgCO</a:t>
             </a:r>
             <a:r>
               <a:rPr lang="en-GB" sz="2000" b="1" baseline="-25000" dirty="0"/>
